--- a/week1/杂志封面颜色的自动设计.pptx
+++ b/week1/杂志封面颜色的自动设计.pptx
@@ -8,7 +8,7 @@
     <p:notesMasterId r:id="rId4"/>
   </p:notesMasterIdLst>
   <p:handoutMasterIdLst>
-    <p:handoutMasterId r:id="rId11"/>
+    <p:handoutMasterId r:id="rId14"/>
   </p:handoutMasterIdLst>
   <p:sldIdLst>
     <p:sldId id="256" r:id="rId3"/>
@@ -18,6 +18,9 @@
     <p:sldId id="280" r:id="rId8"/>
     <p:sldId id="281" r:id="rId9"/>
     <p:sldId id="278" r:id="rId10"/>
+    <p:sldId id="284" r:id="rId11"/>
+    <p:sldId id="283" r:id="rId12"/>
+    <p:sldId id="286" r:id="rId13"/>
   </p:sldIdLst>
   <p:sldSz cx="12192000" cy="6858000"/>
   <p:notesSz cx="6858000" cy="9144000"/>
@@ -732,6 +735,84 @@
 </p:notes>
 </file>
 
+<file path=ppt/notesSlides/notesSlide10.xml><?xml version="1.0" encoding="utf-8"?>
+<p:notes xmlns:a="http://schemas.openxmlformats.org/drawingml/2006/main" xmlns:r="http://schemas.openxmlformats.org/officeDocument/2006/relationships" xmlns:p="http://schemas.openxmlformats.org/presentationml/2006/main">
+  <p:cSld>
+    <p:spTree>
+      <p:nvGrpSpPr>
+        <p:cNvPr id="1" name=""/>
+        <p:cNvGrpSpPr/>
+        <p:nvPr/>
+      </p:nvGrpSpPr>
+      <p:grpSpPr>
+        <a:xfrm>
+          <a:off x="0" y="0"/>
+          <a:ext cx="0" cy="0"/>
+          <a:chOff x="0" y="0"/>
+          <a:chExt cx="0" cy="0"/>
+        </a:xfrm>
+      </p:grpSpPr>
+      <p:sp>
+        <p:nvSpPr>
+          <p:cNvPr id="2" name="幻灯片图像占位符 1"/>
+          <p:cNvSpPr>
+            <a:spLocks noGrp="1" noRot="1" noChangeAspect="1"/>
+          </p:cNvSpPr>
+          <p:nvPr>
+            <p:ph type="sldImg"/>
+          </p:nvPr>
+        </p:nvSpPr>
+        <p:spPr/>
+      </p:sp>
+      <p:sp>
+        <p:nvSpPr>
+          <p:cNvPr id="3" name="备注占位符 2"/>
+          <p:cNvSpPr>
+            <a:spLocks noGrp="1"/>
+          </p:cNvSpPr>
+          <p:nvPr>
+            <p:ph type="body" idx="1"/>
+          </p:nvPr>
+        </p:nvSpPr>
+        <p:spPr/>
+        <p:txBody>
+          <a:bodyPr/>
+          <a:lstStyle/>
+          <a:p>
+            <a:endParaRPr lang="zh-CN" altLang="en-US"/>
+          </a:p>
+        </p:txBody>
+      </p:sp>
+      <p:sp>
+        <p:nvSpPr>
+          <p:cNvPr id="4" name="灯片编号占位符 3"/>
+          <p:cNvSpPr>
+            <a:spLocks noGrp="1"/>
+          </p:cNvSpPr>
+          <p:nvPr>
+            <p:ph type="sldNum" sz="quarter" idx="10"/>
+          </p:nvPr>
+        </p:nvSpPr>
+        <p:spPr/>
+        <p:txBody>
+          <a:bodyPr/>
+          <a:lstStyle/>
+          <a:p>
+            <a:fld id="{85D0DACE-38E0-42D2-9336-2B707D34BC6D}" type="slidenum">
+              <a:rPr lang="zh-CN" altLang="en-US" smtClean="0"/>
+            </a:fld>
+            <a:endParaRPr lang="zh-CN" altLang="en-US"/>
+          </a:p>
+        </p:txBody>
+      </p:sp>
+    </p:spTree>
+  </p:cSld>
+  <p:clrMapOvr>
+    <a:masterClrMapping/>
+  </p:clrMapOvr>
+</p:notes>
+</file>
+
 <file path=ppt/notesSlides/notesSlide2.xml><?xml version="1.0" encoding="utf-8"?>
 <p:notes xmlns:a="http://schemas.openxmlformats.org/drawingml/2006/main" xmlns:r="http://schemas.openxmlformats.org/officeDocument/2006/relationships" xmlns:p="http://schemas.openxmlformats.org/presentationml/2006/main">
   <p:cSld>
@@ -1123,6 +1204,162 @@
 </file>
 
 <file path=ppt/notesSlides/notesSlide7.xml><?xml version="1.0" encoding="utf-8"?>
+<p:notes xmlns:a="http://schemas.openxmlformats.org/drawingml/2006/main" xmlns:r="http://schemas.openxmlformats.org/officeDocument/2006/relationships" xmlns:p="http://schemas.openxmlformats.org/presentationml/2006/main">
+  <p:cSld>
+    <p:spTree>
+      <p:nvGrpSpPr>
+        <p:cNvPr id="1" name=""/>
+        <p:cNvGrpSpPr/>
+        <p:nvPr/>
+      </p:nvGrpSpPr>
+      <p:grpSpPr>
+        <a:xfrm>
+          <a:off x="0" y="0"/>
+          <a:ext cx="0" cy="0"/>
+          <a:chOff x="0" y="0"/>
+          <a:chExt cx="0" cy="0"/>
+        </a:xfrm>
+      </p:grpSpPr>
+      <p:sp>
+        <p:nvSpPr>
+          <p:cNvPr id="2" name="幻灯片图像占位符 1"/>
+          <p:cNvSpPr>
+            <a:spLocks noGrp="1" noRot="1" noChangeAspect="1"/>
+          </p:cNvSpPr>
+          <p:nvPr>
+            <p:ph type="sldImg"/>
+          </p:nvPr>
+        </p:nvSpPr>
+        <p:spPr/>
+      </p:sp>
+      <p:sp>
+        <p:nvSpPr>
+          <p:cNvPr id="3" name="备注占位符 2"/>
+          <p:cNvSpPr>
+            <a:spLocks noGrp="1"/>
+          </p:cNvSpPr>
+          <p:nvPr>
+            <p:ph type="body" idx="1"/>
+          </p:nvPr>
+        </p:nvSpPr>
+        <p:spPr/>
+        <p:txBody>
+          <a:bodyPr/>
+          <a:lstStyle/>
+          <a:p>
+            <a:endParaRPr lang="zh-CN" altLang="en-US"/>
+          </a:p>
+        </p:txBody>
+      </p:sp>
+      <p:sp>
+        <p:nvSpPr>
+          <p:cNvPr id="4" name="灯片编号占位符 3"/>
+          <p:cNvSpPr>
+            <a:spLocks noGrp="1"/>
+          </p:cNvSpPr>
+          <p:nvPr>
+            <p:ph type="sldNum" sz="quarter" idx="10"/>
+          </p:nvPr>
+        </p:nvSpPr>
+        <p:spPr/>
+        <p:txBody>
+          <a:bodyPr/>
+          <a:lstStyle/>
+          <a:p>
+            <a:fld id="{85D0DACE-38E0-42D2-9336-2B707D34BC6D}" type="slidenum">
+              <a:rPr lang="zh-CN" altLang="en-US" smtClean="0"/>
+            </a:fld>
+            <a:endParaRPr lang="zh-CN" altLang="en-US"/>
+          </a:p>
+        </p:txBody>
+      </p:sp>
+    </p:spTree>
+  </p:cSld>
+  <p:clrMapOvr>
+    <a:masterClrMapping/>
+  </p:clrMapOvr>
+</p:notes>
+</file>
+
+<file path=ppt/notesSlides/notesSlide8.xml><?xml version="1.0" encoding="utf-8"?>
+<p:notes xmlns:a="http://schemas.openxmlformats.org/drawingml/2006/main" xmlns:r="http://schemas.openxmlformats.org/officeDocument/2006/relationships" xmlns:p="http://schemas.openxmlformats.org/presentationml/2006/main">
+  <p:cSld>
+    <p:spTree>
+      <p:nvGrpSpPr>
+        <p:cNvPr id="1" name=""/>
+        <p:cNvGrpSpPr/>
+        <p:nvPr/>
+      </p:nvGrpSpPr>
+      <p:grpSpPr>
+        <a:xfrm>
+          <a:off x="0" y="0"/>
+          <a:ext cx="0" cy="0"/>
+          <a:chOff x="0" y="0"/>
+          <a:chExt cx="0" cy="0"/>
+        </a:xfrm>
+      </p:grpSpPr>
+      <p:sp>
+        <p:nvSpPr>
+          <p:cNvPr id="2" name="幻灯片图像占位符 1"/>
+          <p:cNvSpPr>
+            <a:spLocks noGrp="1" noRot="1" noChangeAspect="1"/>
+          </p:cNvSpPr>
+          <p:nvPr>
+            <p:ph type="sldImg"/>
+          </p:nvPr>
+        </p:nvSpPr>
+        <p:spPr/>
+      </p:sp>
+      <p:sp>
+        <p:nvSpPr>
+          <p:cNvPr id="3" name="备注占位符 2"/>
+          <p:cNvSpPr>
+            <a:spLocks noGrp="1"/>
+          </p:cNvSpPr>
+          <p:nvPr>
+            <p:ph type="body" idx="1"/>
+          </p:nvPr>
+        </p:nvSpPr>
+        <p:spPr/>
+        <p:txBody>
+          <a:bodyPr/>
+          <a:lstStyle/>
+          <a:p>
+            <a:endParaRPr lang="zh-CN" altLang="en-US"/>
+          </a:p>
+        </p:txBody>
+      </p:sp>
+      <p:sp>
+        <p:nvSpPr>
+          <p:cNvPr id="4" name="灯片编号占位符 3"/>
+          <p:cNvSpPr>
+            <a:spLocks noGrp="1"/>
+          </p:cNvSpPr>
+          <p:nvPr>
+            <p:ph type="sldNum" sz="quarter" idx="10"/>
+          </p:nvPr>
+        </p:nvSpPr>
+        <p:spPr/>
+        <p:txBody>
+          <a:bodyPr/>
+          <a:lstStyle/>
+          <a:p>
+            <a:fld id="{85D0DACE-38E0-42D2-9336-2B707D34BC6D}" type="slidenum">
+              <a:rPr lang="zh-CN" altLang="en-US" smtClean="0"/>
+            </a:fld>
+            <a:endParaRPr lang="zh-CN" altLang="en-US"/>
+          </a:p>
+        </p:txBody>
+      </p:sp>
+    </p:spTree>
+  </p:cSld>
+  <p:clrMapOvr>
+    <a:masterClrMapping/>
+  </p:clrMapOvr>
+</p:notes>
+</file>
+
+<file path=ppt/notesSlides/notesSlide9.xml><?xml version="1.0" encoding="utf-8"?>
 <p:notes xmlns:a="http://schemas.openxmlformats.org/drawingml/2006/main" xmlns:r="http://schemas.openxmlformats.org/officeDocument/2006/relationships" xmlns:p="http://schemas.openxmlformats.org/presentationml/2006/main">
   <p:cSld>
     <p:spTree>
@@ -5550,6 +5787,194 @@
 </p:sld>
 </file>
 
+<file path=ppt/slides/slide10.xml><?xml version="1.0" encoding="utf-8"?>
+<p:sld xmlns:a="http://schemas.openxmlformats.org/drawingml/2006/main" xmlns:r="http://schemas.openxmlformats.org/officeDocument/2006/relationships" xmlns:p="http://schemas.openxmlformats.org/presentationml/2006/main">
+  <p:cSld>
+    <p:spTree>
+      <p:nvGrpSpPr>
+        <p:cNvPr id="1" name=""/>
+        <p:cNvGrpSpPr/>
+        <p:nvPr/>
+      </p:nvGrpSpPr>
+      <p:grpSpPr>
+        <a:xfrm>
+          <a:off x="0" y="0"/>
+          <a:ext cx="0" cy="0"/>
+          <a:chOff x="0" y="0"/>
+          <a:chExt cx="0" cy="0"/>
+        </a:xfrm>
+      </p:grpSpPr>
+      <p:grpSp>
+        <p:nvGrpSpPr>
+          <p:cNvPr id="13" name="组合 12"/>
+          <p:cNvGrpSpPr/>
+          <p:nvPr/>
+        </p:nvGrpSpPr>
+        <p:grpSpPr>
+          <a:xfrm>
+            <a:off x="525145" y="0"/>
+            <a:ext cx="1650365" cy="1999615"/>
+            <a:chOff x="827" y="0"/>
+            <a:chExt cx="2599" cy="3149"/>
+          </a:xfrm>
+        </p:grpSpPr>
+        <p:pic>
+          <p:nvPicPr>
+            <p:cNvPr id="10" name="图片 9" descr="未标题-1"/>
+            <p:cNvPicPr>
+              <a:picLocks noChangeAspect="1"/>
+            </p:cNvPicPr>
+            <p:nvPr/>
+          </p:nvPicPr>
+          <p:blipFill>
+            <a:blip r:embed="rId1"/>
+            <a:stretch>
+              <a:fillRect/>
+            </a:stretch>
+          </p:blipFill>
+          <p:spPr>
+            <a:xfrm>
+              <a:off x="827" y="742"/>
+              <a:ext cx="1787" cy="2407"/>
+            </a:xfrm>
+            <a:prstGeom prst="rect">
+              <a:avLst/>
+            </a:prstGeom>
+          </p:spPr>
+        </p:pic>
+        <p:sp>
+          <p:nvSpPr>
+            <p:cNvPr id="11" name="矩形 10"/>
+            <p:cNvSpPr/>
+            <p:nvPr/>
+          </p:nvSpPr>
+          <p:spPr>
+            <a:xfrm>
+              <a:off x="1544" y="0"/>
+              <a:ext cx="172" cy="1735"/>
+            </a:xfrm>
+            <a:prstGeom prst="rect">
+              <a:avLst/>
+            </a:prstGeom>
+            <a:solidFill>
+              <a:srgbClr val="C00000"/>
+            </a:solidFill>
+            <a:ln>
+              <a:noFill/>
+            </a:ln>
+          </p:spPr>
+          <p:style>
+            <a:lnRef idx="2">
+              <a:schemeClr val="accent1">
+                <a:shade val="50000"/>
+              </a:schemeClr>
+            </a:lnRef>
+            <a:fillRef idx="1">
+              <a:schemeClr val="accent1"/>
+            </a:fillRef>
+            <a:effectRef idx="0">
+              <a:schemeClr val="accent1"/>
+            </a:effectRef>
+            <a:fontRef idx="minor">
+              <a:schemeClr val="lt1"/>
+            </a:fontRef>
+          </p:style>
+          <p:txBody>
+            <a:bodyPr rtlCol="0" anchor="ctr"/>
+            <a:p>
+              <a:pPr algn="ctr"/>
+              <a:endParaRPr lang="zh-CN" altLang="en-US"/>
+            </a:p>
+          </p:txBody>
+        </p:sp>
+        <p:sp>
+          <p:nvSpPr>
+            <p:cNvPr id="18" name="PA_矩形 7"/>
+            <p:cNvSpPr/>
+            <p:nvPr>
+              <p:custDataLst>
+                <p:tags r:id="rId2"/>
+              </p:custDataLst>
+            </p:nvPr>
+          </p:nvSpPr>
+          <p:spPr>
+            <a:xfrm>
+              <a:off x="1698" y="1735"/>
+              <a:ext cx="1728" cy="725"/>
+            </a:xfrm>
+            <a:prstGeom prst="rect">
+              <a:avLst/>
+            </a:prstGeom>
+          </p:spPr>
+          <p:txBody>
+            <a:bodyPr wrap="none">
+              <a:spAutoFit/>
+            </a:bodyPr>
+            <a:p>
+              <a:pPr marL="0" marR="0" lvl="0" indent="0" algn="ctr" defTabSz="685800" rtl="0" eaLnBrk="1" fontAlgn="auto" latinLnBrk="0" hangingPunct="1">
+                <a:lnSpc>
+                  <a:spcPct val="100000"/>
+                </a:lnSpc>
+                <a:spcBef>
+                  <a:spcPts val="0"/>
+                </a:spcBef>
+                <a:spcAft>
+                  <a:spcPts val="0"/>
+                </a:spcAft>
+                <a:buClrTx/>
+                <a:buSzTx/>
+                <a:buFontTx/>
+                <a:buNone/>
+                <a:defRPr/>
+              </a:pPr>
+              <a:r>
+                <a:rPr lang="zh-CN" altLang="en-US" sz="2400">
+                  <a:sym typeface="+mn-ea"/>
+                </a:rPr>
+                <a:t>代码？</a:t>
+              </a:r>
+              <a:endParaRPr lang="zh-CN" altLang="en-US" sz="2400">
+                <a:sym typeface="+mn-ea"/>
+              </a:endParaRPr>
+            </a:p>
+          </p:txBody>
+        </p:sp>
+      </p:grpSp>
+      <p:pic>
+        <p:nvPicPr>
+          <p:cNvPr id="16" name="图片 15" descr="8721591232186_.pic_hd"/>
+          <p:cNvPicPr>
+            <a:picLocks noChangeAspect="1"/>
+          </p:cNvPicPr>
+          <p:nvPr/>
+        </p:nvPicPr>
+        <p:blipFill>
+          <a:blip r:embed="rId3"/>
+          <a:stretch>
+            <a:fillRect/>
+          </a:stretch>
+        </p:blipFill>
+        <p:spPr>
+          <a:xfrm>
+            <a:off x="4159885" y="1101725"/>
+            <a:ext cx="3872230" cy="5229860"/>
+          </a:xfrm>
+          <a:prstGeom prst="rect">
+            <a:avLst/>
+          </a:prstGeom>
+        </p:spPr>
+      </p:pic>
+    </p:spTree>
+    <p:custDataLst>
+      <p:tags r:id="rId4"/>
+    </p:custDataLst>
+  </p:cSld>
+  <p:clrMapOvr>
+    <a:masterClrMapping/>
+  </p:clrMapOvr>
+</p:sld>
+</file>
+
 <file path=ppt/slides/slide2.xml><?xml version="1.0" encoding="utf-8"?>
 <p:sld xmlns:a="http://schemas.openxmlformats.org/drawingml/2006/main" xmlns:r="http://schemas.openxmlformats.org/officeDocument/2006/relationships" xmlns:p="http://schemas.openxmlformats.org/presentationml/2006/main">
   <p:cSld>
@@ -30776,6 +31201,794 @@
 </p:sld>
 </file>
 
+<file path=ppt/slides/slide8.xml><?xml version="1.0" encoding="utf-8"?>
+<p:sld xmlns:a="http://schemas.openxmlformats.org/drawingml/2006/main" xmlns:r="http://schemas.openxmlformats.org/officeDocument/2006/relationships" xmlns:p="http://schemas.openxmlformats.org/presentationml/2006/main">
+  <p:cSld>
+    <p:spTree>
+      <p:nvGrpSpPr>
+        <p:cNvPr id="1" name=""/>
+        <p:cNvGrpSpPr/>
+        <p:nvPr/>
+      </p:nvGrpSpPr>
+      <p:grpSpPr>
+        <a:xfrm>
+          <a:off x="0" y="0"/>
+          <a:ext cx="0" cy="0"/>
+          <a:chOff x="0" y="0"/>
+          <a:chExt cx="0" cy="0"/>
+        </a:xfrm>
+      </p:grpSpPr>
+      <p:pic>
+        <p:nvPicPr>
+          <p:cNvPr id="10" name="图片 9" descr="未标题-1"/>
+          <p:cNvPicPr>
+            <a:picLocks noChangeAspect="1"/>
+          </p:cNvPicPr>
+          <p:nvPr/>
+        </p:nvPicPr>
+        <p:blipFill>
+          <a:blip r:embed="rId1"/>
+          <a:stretch>
+            <a:fillRect/>
+          </a:stretch>
+        </p:blipFill>
+        <p:spPr>
+          <a:xfrm>
+            <a:off x="683260" y="819150"/>
+            <a:ext cx="3876675" cy="5219700"/>
+          </a:xfrm>
+          <a:prstGeom prst="rect">
+            <a:avLst/>
+          </a:prstGeom>
+        </p:spPr>
+      </p:pic>
+      <p:sp>
+        <p:nvSpPr>
+          <p:cNvPr id="11" name="矩形 10"/>
+          <p:cNvSpPr/>
+          <p:nvPr/>
+        </p:nvSpPr>
+        <p:spPr>
+          <a:xfrm>
+            <a:off x="2471420" y="0"/>
+            <a:ext cx="300355" cy="2816860"/>
+          </a:xfrm>
+          <a:prstGeom prst="rect">
+            <a:avLst/>
+          </a:prstGeom>
+          <a:solidFill>
+            <a:srgbClr val="C00000"/>
+          </a:solidFill>
+          <a:ln>
+            <a:noFill/>
+          </a:ln>
+        </p:spPr>
+        <p:style>
+          <a:lnRef idx="2">
+            <a:schemeClr val="accent1">
+              <a:shade val="50000"/>
+            </a:schemeClr>
+          </a:lnRef>
+          <a:fillRef idx="1">
+            <a:schemeClr val="accent1"/>
+          </a:fillRef>
+          <a:effectRef idx="0">
+            <a:schemeClr val="accent1"/>
+          </a:effectRef>
+          <a:fontRef idx="minor">
+            <a:schemeClr val="lt1"/>
+          </a:fontRef>
+        </p:style>
+        <p:txBody>
+          <a:bodyPr rtlCol="0" anchor="ctr"/>
+          <a:p>
+            <a:pPr algn="ctr"/>
+            <a:endParaRPr lang="zh-CN" altLang="en-US"/>
+          </a:p>
+        </p:txBody>
+      </p:sp>
+      <p:sp>
+        <p:nvSpPr>
+          <p:cNvPr id="18" name="PA_矩形 7"/>
+          <p:cNvSpPr/>
+          <p:nvPr>
+            <p:custDataLst>
+              <p:tags r:id="rId2"/>
+            </p:custDataLst>
+          </p:nvPr>
+        </p:nvSpPr>
+        <p:spPr>
+          <a:xfrm>
+            <a:off x="3105147" y="3177549"/>
+            <a:ext cx="2472690" cy="1014730"/>
+          </a:xfrm>
+          <a:prstGeom prst="rect">
+            <a:avLst/>
+          </a:prstGeom>
+        </p:spPr>
+        <p:txBody>
+          <a:bodyPr wrap="none">
+            <a:spAutoFit/>
+          </a:bodyPr>
+          <a:p>
+            <a:pPr marL="0" marR="0" lvl="0" indent="0" algn="ctr" defTabSz="685800" rtl="0" eaLnBrk="1" fontAlgn="auto" latinLnBrk="0" hangingPunct="1">
+              <a:lnSpc>
+                <a:spcPct val="100000"/>
+              </a:lnSpc>
+              <a:spcBef>
+                <a:spcPts val="0"/>
+              </a:spcBef>
+              <a:spcAft>
+                <a:spcPts val="0"/>
+              </a:spcAft>
+              <a:buClrTx/>
+              <a:buSzTx/>
+              <a:buFontTx/>
+              <a:buNone/>
+              <a:defRPr/>
+            </a:pPr>
+            <a:r>
+              <a:rPr kumimoji="0" lang="zh-CN" altLang="en-US" sz="6000" b="1" i="0" u="none" strike="noStrike" kern="0" cap="none" spc="0" normalizeH="0" baseline="0" noProof="0">
+                <a:ln>
+                  <a:noFill/>
+                </a:ln>
+                <a:solidFill>
+                  <a:schemeClr val="tx1"/>
+                </a:solidFill>
+                <a:effectLst/>
+                <a:uLnTx/>
+                <a:uFillTx/>
+                <a:latin typeface="微软雅黑" panose="020B0503020204020204" charset="-122"/>
+                <a:ea typeface="微软雅黑" panose="020B0503020204020204" charset="-122"/>
+                <a:cs typeface="+mn-cs"/>
+              </a:rPr>
+              <a:t>架构图</a:t>
+            </a:r>
+            <a:endParaRPr kumimoji="0" lang="zh-CN" altLang="en-US" sz="6000" b="1" i="0" u="none" strike="noStrike" kern="0" cap="none" spc="0" normalizeH="0" baseline="0" noProof="0">
+              <a:ln>
+                <a:noFill/>
+              </a:ln>
+              <a:solidFill>
+                <a:schemeClr val="tx1"/>
+              </a:solidFill>
+              <a:effectLst/>
+              <a:uLnTx/>
+              <a:uFillTx/>
+              <a:latin typeface="微软雅黑" panose="020B0503020204020204" charset="-122"/>
+              <a:ea typeface="微软雅黑" panose="020B0503020204020204" charset="-122"/>
+              <a:cs typeface="+mn-cs"/>
+            </a:endParaRPr>
+          </a:p>
+        </p:txBody>
+      </p:sp>
+    </p:spTree>
+    <p:custDataLst>
+      <p:tags r:id="rId3"/>
+    </p:custDataLst>
+  </p:cSld>
+  <p:clrMapOvr>
+    <a:masterClrMapping/>
+  </p:clrMapOvr>
+</p:sld>
+</file>
+
+<file path=ppt/slides/slide9.xml><?xml version="1.0" encoding="utf-8"?>
+<p:sld xmlns:a="http://schemas.openxmlformats.org/drawingml/2006/main" xmlns:r="http://schemas.openxmlformats.org/officeDocument/2006/relationships" xmlns:p="http://schemas.openxmlformats.org/presentationml/2006/main">
+  <p:cSld>
+    <p:spTree>
+      <p:nvGrpSpPr>
+        <p:cNvPr id="1" name=""/>
+        <p:cNvGrpSpPr/>
+        <p:nvPr/>
+      </p:nvGrpSpPr>
+      <p:grpSpPr>
+        <a:xfrm>
+          <a:off x="0" y="0"/>
+          <a:ext cx="0" cy="0"/>
+          <a:chOff x="0" y="0"/>
+          <a:chExt cx="0" cy="0"/>
+        </a:xfrm>
+      </p:grpSpPr>
+      <p:grpSp>
+        <p:nvGrpSpPr>
+          <p:cNvPr id="13" name="组合 12"/>
+          <p:cNvGrpSpPr/>
+          <p:nvPr/>
+        </p:nvGrpSpPr>
+        <p:grpSpPr>
+          <a:xfrm>
+            <a:off x="525145" y="0"/>
+            <a:ext cx="1648460" cy="1999615"/>
+            <a:chOff x="827" y="0"/>
+            <a:chExt cx="2596" cy="3149"/>
+          </a:xfrm>
+        </p:grpSpPr>
+        <p:pic>
+          <p:nvPicPr>
+            <p:cNvPr id="10" name="图片 9" descr="未标题-1"/>
+            <p:cNvPicPr>
+              <a:picLocks noChangeAspect="1"/>
+            </p:cNvPicPr>
+            <p:nvPr/>
+          </p:nvPicPr>
+          <p:blipFill>
+            <a:blip r:embed="rId1"/>
+            <a:stretch>
+              <a:fillRect/>
+            </a:stretch>
+          </p:blipFill>
+          <p:spPr>
+            <a:xfrm>
+              <a:off x="827" y="742"/>
+              <a:ext cx="1787" cy="2407"/>
+            </a:xfrm>
+            <a:prstGeom prst="rect">
+              <a:avLst/>
+            </a:prstGeom>
+          </p:spPr>
+        </p:pic>
+        <p:sp>
+          <p:nvSpPr>
+            <p:cNvPr id="11" name="矩形 10"/>
+            <p:cNvSpPr/>
+            <p:nvPr/>
+          </p:nvSpPr>
+          <p:spPr>
+            <a:xfrm>
+              <a:off x="1544" y="0"/>
+              <a:ext cx="172" cy="1735"/>
+            </a:xfrm>
+            <a:prstGeom prst="rect">
+              <a:avLst/>
+            </a:prstGeom>
+            <a:solidFill>
+              <a:srgbClr val="C00000"/>
+            </a:solidFill>
+            <a:ln>
+              <a:noFill/>
+            </a:ln>
+          </p:spPr>
+          <p:style>
+            <a:lnRef idx="2">
+              <a:schemeClr val="accent1">
+                <a:shade val="50000"/>
+              </a:schemeClr>
+            </a:lnRef>
+            <a:fillRef idx="1">
+              <a:schemeClr val="accent1"/>
+            </a:fillRef>
+            <a:effectRef idx="0">
+              <a:schemeClr val="accent1"/>
+            </a:effectRef>
+            <a:fontRef idx="minor">
+              <a:schemeClr val="lt1"/>
+            </a:fontRef>
+          </p:style>
+          <p:txBody>
+            <a:bodyPr rtlCol="0" anchor="ctr"/>
+            <a:p>
+              <a:pPr algn="ctr"/>
+              <a:endParaRPr lang="zh-CN" altLang="en-US"/>
+            </a:p>
+          </p:txBody>
+        </p:sp>
+        <p:sp>
+          <p:nvSpPr>
+            <p:cNvPr id="18" name="PA_矩形 7"/>
+            <p:cNvSpPr/>
+            <p:nvPr>
+              <p:custDataLst>
+                <p:tags r:id="rId2"/>
+              </p:custDataLst>
+            </p:nvPr>
+          </p:nvSpPr>
+          <p:spPr>
+            <a:xfrm>
+              <a:off x="1695" y="1735"/>
+              <a:ext cx="1728" cy="725"/>
+            </a:xfrm>
+            <a:prstGeom prst="rect">
+              <a:avLst/>
+            </a:prstGeom>
+          </p:spPr>
+          <p:txBody>
+            <a:bodyPr wrap="none">
+              <a:spAutoFit/>
+            </a:bodyPr>
+            <a:p>
+              <a:pPr marL="0" marR="0" lvl="0" indent="0" algn="ctr" defTabSz="685800" rtl="0" eaLnBrk="1" fontAlgn="auto" latinLnBrk="0" hangingPunct="1">
+                <a:lnSpc>
+                  <a:spcPct val="100000"/>
+                </a:lnSpc>
+                <a:spcBef>
+                  <a:spcPts val="0"/>
+                </a:spcBef>
+                <a:spcAft>
+                  <a:spcPts val="0"/>
+                </a:spcAft>
+                <a:buClrTx/>
+                <a:buSzTx/>
+                <a:buFontTx/>
+                <a:buNone/>
+                <a:defRPr/>
+              </a:pPr>
+              <a:r>
+                <a:rPr lang="zh-CN" altLang="en-US" sz="2400">
+                  <a:sym typeface="+mn-ea"/>
+                </a:rPr>
+                <a:t>架构图</a:t>
+              </a:r>
+              <a:endParaRPr lang="zh-CN" altLang="en-US" sz="2400">
+                <a:sym typeface="+mn-ea"/>
+              </a:endParaRPr>
+            </a:p>
+          </p:txBody>
+        </p:sp>
+      </p:grpSp>
+      <p:sp>
+        <p:nvSpPr>
+          <p:cNvPr id="4" name="文本框 3"/>
+          <p:cNvSpPr txBox="1"/>
+          <p:nvPr/>
+        </p:nvSpPr>
+        <p:spPr>
+          <a:xfrm>
+            <a:off x="4719320" y="2256155"/>
+            <a:ext cx="2573655" cy="368300"/>
+          </a:xfrm>
+          <a:prstGeom prst="rect">
+            <a:avLst/>
+          </a:prstGeom>
+          <a:solidFill>
+            <a:schemeClr val="accent1">
+              <a:lumMod val="40000"/>
+              <a:lumOff val="60000"/>
+            </a:schemeClr>
+          </a:solidFill>
+        </p:spPr>
+        <p:txBody>
+          <a:bodyPr wrap="square" rtlCol="0">
+            <a:spAutoFit/>
+          </a:bodyPr>
+          <a:p>
+            <a:r>
+              <a:rPr lang="zh-CN" altLang="en-US"/>
+              <a:t>智能识别海报中的文字</a:t>
+            </a:r>
+            <a:endParaRPr lang="zh-CN" altLang="en-US"/>
+          </a:p>
+        </p:txBody>
+      </p:sp>
+      <p:sp>
+        <p:nvSpPr>
+          <p:cNvPr id="5" name="文本框 4"/>
+          <p:cNvSpPr txBox="1"/>
+          <p:nvPr/>
+        </p:nvSpPr>
+        <p:spPr>
+          <a:xfrm>
+            <a:off x="757555" y="3363595"/>
+            <a:ext cx="2266950" cy="368300"/>
+          </a:xfrm>
+          <a:prstGeom prst="rect">
+            <a:avLst/>
+          </a:prstGeom>
+          <a:solidFill>
+            <a:schemeClr val="accent2">
+              <a:lumMod val="20000"/>
+              <a:lumOff val="80000"/>
+            </a:schemeClr>
+          </a:solidFill>
+        </p:spPr>
+        <p:txBody>
+          <a:bodyPr wrap="square" rtlCol="0">
+            <a:spAutoFit/>
+          </a:bodyPr>
+          <a:p>
+            <a:r>
+              <a:rPr lang="zh-CN" altLang="en-US">
+                <a:solidFill>
+                  <a:schemeClr val="accent1"/>
+                </a:solidFill>
+              </a:rPr>
+              <a:t>文字检测（检测器）</a:t>
+            </a:r>
+            <a:endParaRPr lang="zh-CN" altLang="en-US">
+              <a:solidFill>
+                <a:schemeClr val="accent1"/>
+              </a:solidFill>
+            </a:endParaRPr>
+          </a:p>
+        </p:txBody>
+      </p:sp>
+      <p:sp>
+        <p:nvSpPr>
+          <p:cNvPr id="6" name="文本框 5"/>
+          <p:cNvSpPr txBox="1"/>
+          <p:nvPr/>
+        </p:nvSpPr>
+        <p:spPr>
+          <a:xfrm>
+            <a:off x="4095115" y="3363595"/>
+            <a:ext cx="1834515" cy="368300"/>
+          </a:xfrm>
+          <a:prstGeom prst="rect">
+            <a:avLst/>
+          </a:prstGeom>
+          <a:solidFill>
+            <a:schemeClr val="accent2">
+              <a:lumMod val="20000"/>
+              <a:lumOff val="80000"/>
+            </a:schemeClr>
+          </a:solidFill>
+        </p:spPr>
+        <p:txBody>
+          <a:bodyPr wrap="square" rtlCol="0">
+            <a:spAutoFit/>
+          </a:bodyPr>
+          <a:p>
+            <a:r>
+              <a:rPr lang="zh-CN" altLang="en-US"/>
+              <a:t>区域切片并过滤</a:t>
+            </a:r>
+            <a:endParaRPr lang="zh-CN" altLang="en-US"/>
+          </a:p>
+        </p:txBody>
+      </p:sp>
+      <p:sp>
+        <p:nvSpPr>
+          <p:cNvPr id="7" name="文本框 6"/>
+          <p:cNvSpPr txBox="1"/>
+          <p:nvPr/>
+        </p:nvSpPr>
+        <p:spPr>
+          <a:xfrm>
+            <a:off x="224790" y="4274820"/>
+            <a:ext cx="3766185" cy="1198880"/>
+          </a:xfrm>
+          <a:prstGeom prst="rect">
+            <a:avLst/>
+          </a:prstGeom>
+          <a:solidFill>
+            <a:schemeClr val="tx2">
+              <a:lumMod val="20000"/>
+              <a:lumOff val="80000"/>
+            </a:schemeClr>
+          </a:solidFill>
+        </p:spPr>
+        <p:txBody>
+          <a:bodyPr wrap="square" rtlCol="0">
+            <a:spAutoFit/>
+          </a:bodyPr>
+          <a:p>
+            <a:r>
+              <a:rPr lang="zh-CN" altLang="en-US"/>
+              <a:t>复杂背景、艺术字体、低分辨率、非均匀光照、图像退化、字符形变、多语言混合、文本行复杂版式、检测框字符残缺</a:t>
+            </a:r>
+            <a:endParaRPr lang="zh-CN" altLang="en-US"/>
+          </a:p>
+        </p:txBody>
+      </p:sp>
+      <p:sp>
+        <p:nvSpPr>
+          <p:cNvPr id="8" name="文本框 7"/>
+          <p:cNvSpPr txBox="1"/>
+          <p:nvPr/>
+        </p:nvSpPr>
+        <p:spPr>
+          <a:xfrm>
+            <a:off x="4229100" y="4274820"/>
+            <a:ext cx="1566545" cy="1198880"/>
+          </a:xfrm>
+          <a:prstGeom prst="rect">
+            <a:avLst/>
+          </a:prstGeom>
+          <a:solidFill>
+            <a:schemeClr val="tx2">
+              <a:lumMod val="20000"/>
+              <a:lumOff val="80000"/>
+            </a:schemeClr>
+          </a:solidFill>
+        </p:spPr>
+        <p:txBody>
+          <a:bodyPr wrap="square" rtlCol="0">
+            <a:spAutoFit/>
+          </a:bodyPr>
+          <a:p>
+            <a:r>
+              <a:rPr lang="zh-CN" altLang="en-US"/>
+              <a:t>对判断出的文字区域切片，过滤掉多余的非文字区域</a:t>
+            </a:r>
+            <a:endParaRPr lang="zh-CN" altLang="en-US"/>
+          </a:p>
+        </p:txBody>
+      </p:sp>
+      <p:sp>
+        <p:nvSpPr>
+          <p:cNvPr id="9" name="文本框 8"/>
+          <p:cNvSpPr txBox="1"/>
+          <p:nvPr/>
+        </p:nvSpPr>
+        <p:spPr>
+          <a:xfrm>
+            <a:off x="6354445" y="3363595"/>
+            <a:ext cx="1266190" cy="368300"/>
+          </a:xfrm>
+          <a:prstGeom prst="rect">
+            <a:avLst/>
+          </a:prstGeom>
+          <a:solidFill>
+            <a:schemeClr val="accent2">
+              <a:lumMod val="20000"/>
+              <a:lumOff val="80000"/>
+            </a:schemeClr>
+          </a:solidFill>
+        </p:spPr>
+        <p:txBody>
+          <a:bodyPr wrap="square" rtlCol="0">
+            <a:spAutoFit/>
+          </a:bodyPr>
+          <a:p>
+            <a:r>
+              <a:rPr lang="zh-CN" altLang="en-US"/>
+              <a:t>文字矫正</a:t>
+            </a:r>
+            <a:endParaRPr lang="zh-CN" altLang="en-US"/>
+          </a:p>
+        </p:txBody>
+      </p:sp>
+      <p:sp>
+        <p:nvSpPr>
+          <p:cNvPr id="2" name="文本框 1"/>
+          <p:cNvSpPr txBox="1"/>
+          <p:nvPr/>
+        </p:nvSpPr>
+        <p:spPr>
+          <a:xfrm>
+            <a:off x="8042910" y="3363595"/>
+            <a:ext cx="1266190" cy="368300"/>
+          </a:xfrm>
+          <a:prstGeom prst="rect">
+            <a:avLst/>
+          </a:prstGeom>
+          <a:solidFill>
+            <a:schemeClr val="accent2">
+              <a:lumMod val="20000"/>
+              <a:lumOff val="80000"/>
+            </a:schemeClr>
+          </a:solidFill>
+        </p:spPr>
+        <p:txBody>
+          <a:bodyPr wrap="square" rtlCol="0">
+            <a:spAutoFit/>
+          </a:bodyPr>
+          <a:p>
+            <a:r>
+              <a:rPr lang="zh-CN" altLang="en-US"/>
+              <a:t>单字识别</a:t>
+            </a:r>
+            <a:endParaRPr lang="zh-CN" altLang="en-US"/>
+          </a:p>
+        </p:txBody>
+      </p:sp>
+      <p:sp>
+        <p:nvSpPr>
+          <p:cNvPr id="12" name="文本框 11"/>
+          <p:cNvSpPr txBox="1"/>
+          <p:nvPr/>
+        </p:nvSpPr>
+        <p:spPr>
+          <a:xfrm>
+            <a:off x="9757410" y="3363595"/>
+            <a:ext cx="1951990" cy="368300"/>
+          </a:xfrm>
+          <a:prstGeom prst="rect">
+            <a:avLst/>
+          </a:prstGeom>
+          <a:solidFill>
+            <a:schemeClr val="accent2">
+              <a:lumMod val="20000"/>
+              <a:lumOff val="80000"/>
+            </a:schemeClr>
+          </a:solidFill>
+        </p:spPr>
+        <p:txBody>
+          <a:bodyPr wrap="square" rtlCol="0">
+            <a:spAutoFit/>
+          </a:bodyPr>
+          <a:p>
+            <a:r>
+              <a:rPr lang="zh-CN" altLang="en-US"/>
+              <a:t>检测识别正确性</a:t>
+            </a:r>
+            <a:endParaRPr lang="zh-CN" altLang="en-US"/>
+          </a:p>
+        </p:txBody>
+      </p:sp>
+      <p:cxnSp>
+        <p:nvCxnSpPr>
+          <p:cNvPr id="3" name="直接箭头连接符 2"/>
+          <p:cNvCxnSpPr>
+            <a:stCxn id="4" idx="2"/>
+            <a:endCxn id="5" idx="0"/>
+          </p:cNvCxnSpPr>
+          <p:nvPr/>
+        </p:nvCxnSpPr>
+        <p:spPr>
+          <a:xfrm flipH="1">
+            <a:off x="1891030" y="2624455"/>
+            <a:ext cx="4115435" cy="739140"/>
+          </a:xfrm>
+          <a:prstGeom prst="straightConnector1">
+            <a:avLst/>
+          </a:prstGeom>
+          <a:ln>
+            <a:tailEnd type="arrow"/>
+          </a:ln>
+        </p:spPr>
+        <p:style>
+          <a:lnRef idx="1">
+            <a:schemeClr val="accent1"/>
+          </a:lnRef>
+          <a:fillRef idx="0">
+            <a:schemeClr val="accent1"/>
+          </a:fillRef>
+          <a:effectRef idx="0">
+            <a:schemeClr val="accent1"/>
+          </a:effectRef>
+          <a:fontRef idx="minor">
+            <a:schemeClr val="tx1"/>
+          </a:fontRef>
+        </p:style>
+      </p:cxnSp>
+      <p:cxnSp>
+        <p:nvCxnSpPr>
+          <p:cNvPr id="14" name="直接箭头连接符 13"/>
+          <p:cNvCxnSpPr>
+            <a:stCxn id="5" idx="3"/>
+            <a:endCxn id="6" idx="1"/>
+          </p:cNvCxnSpPr>
+          <p:nvPr/>
+        </p:nvCxnSpPr>
+        <p:spPr>
+          <a:xfrm>
+            <a:off x="3024505" y="3547745"/>
+            <a:ext cx="1070610" cy="0"/>
+          </a:xfrm>
+          <a:prstGeom prst="straightConnector1">
+            <a:avLst/>
+          </a:prstGeom>
+          <a:ln>
+            <a:tailEnd type="arrow"/>
+          </a:ln>
+        </p:spPr>
+        <p:style>
+          <a:lnRef idx="1">
+            <a:schemeClr val="accent1"/>
+          </a:lnRef>
+          <a:fillRef idx="0">
+            <a:schemeClr val="accent1"/>
+          </a:fillRef>
+          <a:effectRef idx="0">
+            <a:schemeClr val="accent1"/>
+          </a:effectRef>
+          <a:fontRef idx="minor">
+            <a:schemeClr val="tx1"/>
+          </a:fontRef>
+        </p:style>
+      </p:cxnSp>
+      <p:cxnSp>
+        <p:nvCxnSpPr>
+          <p:cNvPr id="15" name="直接箭头连接符 14"/>
+          <p:cNvCxnSpPr>
+            <a:endCxn id="9" idx="1"/>
+          </p:cNvCxnSpPr>
+          <p:nvPr/>
+        </p:nvCxnSpPr>
+        <p:spPr>
+          <a:xfrm>
+            <a:off x="5929630" y="3547745"/>
+            <a:ext cx="424815" cy="0"/>
+          </a:xfrm>
+          <a:prstGeom prst="straightConnector1">
+            <a:avLst/>
+          </a:prstGeom>
+          <a:ln>
+            <a:tailEnd type="arrow"/>
+          </a:ln>
+        </p:spPr>
+        <p:style>
+          <a:lnRef idx="1">
+            <a:schemeClr val="accent1"/>
+          </a:lnRef>
+          <a:fillRef idx="0">
+            <a:schemeClr val="accent1"/>
+          </a:fillRef>
+          <a:effectRef idx="0">
+            <a:schemeClr val="accent1"/>
+          </a:effectRef>
+          <a:fontRef idx="minor">
+            <a:schemeClr val="tx1"/>
+          </a:fontRef>
+        </p:style>
+      </p:cxnSp>
+      <p:cxnSp>
+        <p:nvCxnSpPr>
+          <p:cNvPr id="17" name="直接箭头连接符 16"/>
+          <p:cNvCxnSpPr/>
+          <p:nvPr/>
+        </p:nvCxnSpPr>
+        <p:spPr>
+          <a:xfrm>
+            <a:off x="7618095" y="3547745"/>
+            <a:ext cx="424815" cy="0"/>
+          </a:xfrm>
+          <a:prstGeom prst="straightConnector1">
+            <a:avLst/>
+          </a:prstGeom>
+          <a:ln>
+            <a:tailEnd type="arrow"/>
+          </a:ln>
+        </p:spPr>
+        <p:style>
+          <a:lnRef idx="1">
+            <a:schemeClr val="accent1"/>
+          </a:lnRef>
+          <a:fillRef idx="0">
+            <a:schemeClr val="accent1"/>
+          </a:fillRef>
+          <a:effectRef idx="0">
+            <a:schemeClr val="accent1"/>
+          </a:effectRef>
+          <a:fontRef idx="minor">
+            <a:schemeClr val="tx1"/>
+          </a:fontRef>
+        </p:style>
+      </p:cxnSp>
+      <p:cxnSp>
+        <p:nvCxnSpPr>
+          <p:cNvPr id="19" name="直接箭头连接符 18"/>
+          <p:cNvCxnSpPr/>
+          <p:nvPr/>
+        </p:nvCxnSpPr>
+        <p:spPr>
+          <a:xfrm>
+            <a:off x="9309100" y="3547745"/>
+            <a:ext cx="424815" cy="0"/>
+          </a:xfrm>
+          <a:prstGeom prst="straightConnector1">
+            <a:avLst/>
+          </a:prstGeom>
+          <a:ln>
+            <a:tailEnd type="arrow"/>
+          </a:ln>
+        </p:spPr>
+        <p:style>
+          <a:lnRef idx="1">
+            <a:schemeClr val="accent1"/>
+          </a:lnRef>
+          <a:fillRef idx="0">
+            <a:schemeClr val="accent1"/>
+          </a:fillRef>
+          <a:effectRef idx="0">
+            <a:schemeClr val="accent1"/>
+          </a:effectRef>
+          <a:fontRef idx="minor">
+            <a:schemeClr val="tx1"/>
+          </a:fontRef>
+        </p:style>
+      </p:cxnSp>
+    </p:spTree>
+    <p:custDataLst>
+      <p:tags r:id="rId3"/>
+    </p:custDataLst>
+  </p:cSld>
+  <p:clrMapOvr>
+    <a:masterClrMapping/>
+  </p:clrMapOvr>
+</p:sld>
+</file>
+
 <file path=ppt/tags/tag1.xml><?xml version="1.0" encoding="utf-8"?>
 <p:tagLst xmlns:p="http://schemas.openxmlformats.org/presentationml/2006/main">
   <p:tag name="KSO_WM_UNIT_HIGHLIGHT" val="0"/>
@@ -31725,6 +32938,30 @@
 </p:tagLst>
 </file>
 
+<file path=ppt/tags/tag78.xml><?xml version="1.0" encoding="utf-8"?>
+<p:tagLst xmlns:p="http://schemas.openxmlformats.org/presentationml/2006/main">
+  <p:tag name="PA" val="v4.1.3"/>
+</p:tagLst>
+</file>
+
+<file path=ppt/tags/tag79.xml><?xml version="1.0" encoding="utf-8"?>
+<p:tagLst xmlns:p="http://schemas.openxmlformats.org/presentationml/2006/main">
+  <p:tag name="KSO_WM_TEMPLATE_THUMBS_INDEX" val="1"/>
+  <p:tag name="KSO_WM_SLIDE_ID" val="custom20187308_1"/>
+  <p:tag name="KSO_WM_TEMPLATE_SUBCATEGORY" val="0"/>
+  <p:tag name="KSO_WM_SLIDE_TYPE" val="title"/>
+  <p:tag name="KSO_WM_SLIDE_SUBTYPE" val="defaultBlank"/>
+  <p:tag name="KSO_WM_SLIDE_ITEM_CNT" val="0"/>
+  <p:tag name="KSO_WM_SLIDE_INDEX" val="1"/>
+  <p:tag name="KSO_WM_TAG_VERSION" val="1.0"/>
+  <p:tag name="KSO_WM_BEAUTIFY_FLAG" val="#wm#"/>
+  <p:tag name="KSO_WM_TEMPLATE_CATEGORY" val="custom"/>
+  <p:tag name="KSO_WM_TEMPLATE_INDEX" val="20187308"/>
+  <p:tag name="KSO_WM_SLIDE_LAYOUT" val="a_b"/>
+  <p:tag name="KSO_WM_SLIDE_LAYOUT_CNT" val="1_1"/>
+</p:tagLst>
+</file>
+
 <file path=ppt/tags/tag8.xml><?xml version="1.0" encoding="utf-8"?>
 <p:tagLst xmlns:p="http://schemas.openxmlformats.org/presentationml/2006/main">
   <p:tag name="KSO_WM_UNIT_HIGHLIGHT" val="0"/>
@@ -31735,6 +32972,54 @@
   <p:tag name="KSO_WM_UNIT_LAYERLEVEL" val="1"/>
   <p:tag name="KSO_WM_TAG_VERSION" val="1.0"/>
   <p:tag name="KSO_WM_BEAUTIFY_FLAG" val="#wm#"/>
+</p:tagLst>
+</file>
+
+<file path=ppt/tags/tag80.xml><?xml version="1.0" encoding="utf-8"?>
+<p:tagLst xmlns:p="http://schemas.openxmlformats.org/presentationml/2006/main">
+  <p:tag name="PA" val="v4.1.3"/>
+</p:tagLst>
+</file>
+
+<file path=ppt/tags/tag81.xml><?xml version="1.0" encoding="utf-8"?>
+<p:tagLst xmlns:p="http://schemas.openxmlformats.org/presentationml/2006/main">
+  <p:tag name="KSO_WM_TEMPLATE_THUMBS_INDEX" val="1"/>
+  <p:tag name="KSO_WM_SLIDE_ID" val="custom20187308_1"/>
+  <p:tag name="KSO_WM_TEMPLATE_SUBCATEGORY" val="0"/>
+  <p:tag name="KSO_WM_SLIDE_TYPE" val="title"/>
+  <p:tag name="KSO_WM_SLIDE_SUBTYPE" val="defaultBlank"/>
+  <p:tag name="KSO_WM_SLIDE_ITEM_CNT" val="0"/>
+  <p:tag name="KSO_WM_SLIDE_INDEX" val="1"/>
+  <p:tag name="KSO_WM_TAG_VERSION" val="1.0"/>
+  <p:tag name="KSO_WM_BEAUTIFY_FLAG" val="#wm#"/>
+  <p:tag name="KSO_WM_TEMPLATE_CATEGORY" val="custom"/>
+  <p:tag name="KSO_WM_TEMPLATE_INDEX" val="20187308"/>
+  <p:tag name="KSO_WM_SLIDE_LAYOUT" val="a_b"/>
+  <p:tag name="KSO_WM_SLIDE_LAYOUT_CNT" val="1_1"/>
+</p:tagLst>
+</file>
+
+<file path=ppt/tags/tag82.xml><?xml version="1.0" encoding="utf-8"?>
+<p:tagLst xmlns:p="http://schemas.openxmlformats.org/presentationml/2006/main">
+  <p:tag name="PA" val="v4.1.3"/>
+</p:tagLst>
+</file>
+
+<file path=ppt/tags/tag83.xml><?xml version="1.0" encoding="utf-8"?>
+<p:tagLst xmlns:p="http://schemas.openxmlformats.org/presentationml/2006/main">
+  <p:tag name="KSO_WM_TEMPLATE_THUMBS_INDEX" val="1"/>
+  <p:tag name="KSO_WM_SLIDE_ID" val="custom20187308_1"/>
+  <p:tag name="KSO_WM_TEMPLATE_SUBCATEGORY" val="0"/>
+  <p:tag name="KSO_WM_SLIDE_TYPE" val="title"/>
+  <p:tag name="KSO_WM_SLIDE_SUBTYPE" val="defaultBlank"/>
+  <p:tag name="KSO_WM_SLIDE_ITEM_CNT" val="0"/>
+  <p:tag name="KSO_WM_SLIDE_INDEX" val="1"/>
+  <p:tag name="KSO_WM_TAG_VERSION" val="1.0"/>
+  <p:tag name="KSO_WM_BEAUTIFY_FLAG" val="#wm#"/>
+  <p:tag name="KSO_WM_TEMPLATE_CATEGORY" val="custom"/>
+  <p:tag name="KSO_WM_TEMPLATE_INDEX" val="20187308"/>
+  <p:tag name="KSO_WM_SLIDE_LAYOUT" val="a_b"/>
+  <p:tag name="KSO_WM_SLIDE_LAYOUT_CNT" val="1_1"/>
 </p:tagLst>
 </file>
 
